--- a/Web/웹 표준 시작하기.pptx
+++ b/Web/웹 표준 시작하기.pptx
@@ -249,7 +249,7 @@
           <a:p>
             <a:fld id="{0701E38F-D71B-4628-B377-F26FA834EB07}" type="datetimeFigureOut">
               <a:rPr lang="ko-KR" altLang="en-US" smtClean="0"/>
-              <a:t>2022-12-07</a:t>
+              <a:t>2024-09-24</a:t>
             </a:fld>
             <a:endParaRPr lang="ko-KR" altLang="en-US"/>
           </a:p>
@@ -415,7 +415,7 @@
             <a:fld id="{BC75A1C1-99F9-4ED1-B968-97F8F766565C}" type="datetimeFigureOut">
               <a:rPr lang="ko-KR" altLang="en-US" smtClean="0"/>
               <a:pPr/>
-              <a:t>2022-12-07</a:t>
+              <a:t>2024-09-24</a:t>
             </a:fld>
             <a:endParaRPr lang="ko-KR" altLang="en-US"/>
           </a:p>
@@ -4582,12 +4582,12 @@
               <a:t> 내용이 </a:t>
             </a:r>
             <a:r>
-              <a:rPr lang="ko-KR" altLang="en-US" sz="1400" dirty="0" err="1"/>
-              <a:t>다보여지지</a:t>
+              <a:rPr lang="ko-KR" altLang="en-US" sz="1400" dirty="0" smtClean="0"/>
+              <a:t>다 보여지지 </a:t>
             </a:r>
             <a:r>
               <a:rPr lang="ko-KR" altLang="en-US" sz="1400" dirty="0"/>
-              <a:t> 않고 스크롤 해서 봐야 되는 경우가 있습니다</a:t>
+              <a:t>않고 스크롤 해서 봐야 되는 경우가 있습니다</a:t>
             </a:r>
             <a:r>
               <a:rPr lang="en-US" altLang="ko-KR" sz="1400" dirty="0"/>
